--- a/pdf_ppt/3. ROS2/교안_ROS2 터틀봇_바인드소프트_3일차교욱.pptx
+++ b/pdf_ppt/3. ROS2/교안_ROS2 터틀봇_바인드소프트_3일차교욱.pptx
@@ -5,15 +5,16 @@
     <p:sldMasterId id="2147483935" r:id="rId1"/>
   </p:sldMasterIdLst>
   <p:notesMasterIdLst>
-    <p:notesMasterId r:id="rId8"/>
+    <p:notesMasterId r:id="rId9"/>
   </p:notesMasterIdLst>
   <p:sldIdLst>
     <p:sldId id="436" r:id="rId2"/>
     <p:sldId id="437" r:id="rId3"/>
-    <p:sldId id="438" r:id="rId4"/>
-    <p:sldId id="439" r:id="rId5"/>
-    <p:sldId id="440" r:id="rId6"/>
-    <p:sldId id="415" r:id="rId7"/>
+    <p:sldId id="441" r:id="rId4"/>
+    <p:sldId id="438" r:id="rId5"/>
+    <p:sldId id="439" r:id="rId6"/>
+    <p:sldId id="440" r:id="rId7"/>
+    <p:sldId id="415" r:id="rId8"/>
   </p:sldIdLst>
   <p:sldSz cx="9144000" cy="5143500" type="screen16x9"/>
   <p:notesSz cx="9144000" cy="5143500"/>
@@ -213,7 +214,7 @@
           <a:p>
             <a:fld id="{A1A813DA-1389-4022-AE07-7409835CB6E0}" type="datetimeFigureOut">
               <a:rPr lang="ko-KR" altLang="en-US" smtClean="0"/>
-              <a:t>2023-07-04</a:t>
+              <a:t>2023-07-05</a:t>
             </a:fld>
             <a:endParaRPr lang="ko-KR" altLang="en-US"/>
           </a:p>
@@ -1555,7 +1556,7 @@
           <a:p>
             <a:fld id="{1D8BD707-D9CF-40AE-B4C6-C98DA3205C09}" type="datetimeFigureOut">
               <a:rPr lang="en-US" smtClean="0"/>
-              <a:t>7/4/2023</a:t>
+              <a:t>7/5/2023</a:t>
             </a:fld>
             <a:endParaRPr lang="en-US"/>
           </a:p>
@@ -1932,7 +1933,7 @@
           <a:p>
             <a:fld id="{1D8BD707-D9CF-40AE-B4C6-C98DA3205C09}" type="datetimeFigureOut">
               <a:rPr lang="en-US"/>
-              <a:t>7/4/2023</a:t>
+              <a:t>7/5/2023</a:t>
             </a:fld>
             <a:endParaRPr lang="en-US"/>
           </a:p>
@@ -2999,306 +3000,73 @@
           <a:lstStyle/>
           <a:p>
             <a:r>
-              <a:rPr lang="ko-KR" altLang="en-US" dirty="0" smtClean="0"/>
-              <a:t>표준 단위</a:t>
-            </a:r>
-            <a:r>
-              <a:rPr lang="en-US" altLang="ko-KR" dirty="0" smtClean="0"/>
-              <a:t>, </a:t>
-            </a:r>
-            <a:r>
-              <a:rPr lang="ko-KR" altLang="en-US" dirty="0" smtClean="0"/>
-              <a:t>좌표 표현</a:t>
+              <a:rPr lang="en-US" altLang="ko-KR" dirty="0" err="1" smtClean="0"/>
+              <a:t>QoS</a:t>
+            </a:r>
+            <a:r>
+              <a:rPr lang="en-US" altLang="ko-KR" dirty="0" smtClean="0"/>
+              <a:t> </a:t>
+            </a:r>
+            <a:r>
+              <a:rPr lang="ko-KR" altLang="en-US" dirty="0" smtClean="0"/>
+              <a:t>실습</a:t>
             </a:r>
             <a:endParaRPr lang="ko-KR" altLang="en-US" dirty="0"/>
           </a:p>
         </p:txBody>
       </p:sp>
-      <p:sp>
-        <p:nvSpPr>
-          <p:cNvPr id="3" name="내용 개체 틀 2"/>
-          <p:cNvSpPr>
-            <a:spLocks noGrp="1"/>
-          </p:cNvSpPr>
-          <p:nvPr>
-            <p:ph idx="1"/>
-          </p:nvPr>
-        </p:nvSpPr>
-        <p:spPr/>
-        <p:txBody>
-          <a:bodyPr/>
-          <a:lstStyle/>
-          <a:p>
-            <a:r>
-              <a:rPr lang="en-US" altLang="ko-KR" dirty="0" smtClean="0"/>
-              <a:t>ROS </a:t>
-            </a:r>
-            <a:r>
-              <a:rPr lang="ko-KR" altLang="en-US" dirty="0" smtClean="0"/>
-              <a:t>에서는 단위를 사용할 때 국제단위계인  </a:t>
-            </a:r>
-            <a:r>
-              <a:rPr lang="en-US" altLang="ko-KR" dirty="0" smtClean="0"/>
-              <a:t>SI unit </a:t>
-            </a:r>
-            <a:r>
-              <a:rPr lang="ko-KR" altLang="en-US" dirty="0" smtClean="0"/>
-              <a:t>을 사용한다</a:t>
-            </a:r>
-            <a:r>
-              <a:rPr lang="en-US" altLang="ko-KR" dirty="0" smtClean="0"/>
-              <a:t>.</a:t>
-            </a:r>
-          </a:p>
-          <a:p>
-            <a:pPr lvl="1"/>
-            <a:r>
-              <a:rPr lang="ko-KR" altLang="en-US" dirty="0" smtClean="0"/>
-              <a:t>길이 </a:t>
-            </a:r>
-            <a:r>
-              <a:rPr lang="en-US" altLang="ko-KR" dirty="0" smtClean="0"/>
-              <a:t>: m</a:t>
-            </a:r>
-          </a:p>
-          <a:p>
-            <a:pPr lvl="1"/>
-            <a:r>
-              <a:rPr lang="ko-KR" altLang="en-US" dirty="0" smtClean="0"/>
-              <a:t>질량 </a:t>
-            </a:r>
-            <a:r>
-              <a:rPr lang="en-US" altLang="ko-KR" dirty="0" smtClean="0"/>
-              <a:t>: Kg</a:t>
-            </a:r>
-          </a:p>
-          <a:p>
-            <a:pPr lvl="1"/>
-            <a:r>
-              <a:rPr lang="ko-KR" altLang="en-US" dirty="0" smtClean="0"/>
-              <a:t>시간 </a:t>
-            </a:r>
-            <a:r>
-              <a:rPr lang="en-US" altLang="ko-KR" dirty="0" smtClean="0"/>
-              <a:t>: S</a:t>
-            </a:r>
-          </a:p>
-          <a:p>
-            <a:pPr lvl="1"/>
-            <a:r>
-              <a:rPr lang="ko-KR" altLang="en-US" dirty="0" smtClean="0"/>
-              <a:t>전류 </a:t>
-            </a:r>
-            <a:r>
-              <a:rPr lang="en-US" altLang="ko-KR" dirty="0" smtClean="0"/>
-              <a:t>: A</a:t>
-            </a:r>
-          </a:p>
-          <a:p>
-            <a:pPr lvl="1"/>
-            <a:r>
-              <a:rPr lang="ko-KR" altLang="en-US" dirty="0" smtClean="0"/>
-              <a:t>평면각 </a:t>
-            </a:r>
-            <a:r>
-              <a:rPr lang="en-US" altLang="ko-KR" dirty="0" smtClean="0"/>
-              <a:t>: Radian</a:t>
-            </a:r>
-          </a:p>
-          <a:p>
-            <a:pPr lvl="1"/>
-            <a:r>
-              <a:rPr lang="ko-KR" altLang="en-US" dirty="0" smtClean="0"/>
-              <a:t>주파수 </a:t>
-            </a:r>
-            <a:r>
-              <a:rPr lang="en-US" altLang="ko-KR" dirty="0" smtClean="0"/>
-              <a:t>: Hz</a:t>
-            </a:r>
-          </a:p>
-          <a:p>
-            <a:pPr lvl="1"/>
-            <a:r>
-              <a:rPr lang="ko-KR" altLang="en-US" dirty="0" smtClean="0"/>
-              <a:t>온도 </a:t>
-            </a:r>
-            <a:r>
-              <a:rPr lang="en-US" altLang="ko-KR" dirty="0" smtClean="0"/>
-              <a:t>: Celsius</a:t>
-            </a:r>
-          </a:p>
-          <a:p>
-            <a:pPr lvl="1"/>
-            <a:r>
-              <a:rPr lang="ko-KR" altLang="en-US" dirty="0" smtClean="0"/>
-              <a:t>전압 </a:t>
-            </a:r>
-            <a:r>
-              <a:rPr lang="en-US" altLang="ko-KR" dirty="0" smtClean="0"/>
-              <a:t>: V </a:t>
-            </a:r>
-          </a:p>
-          <a:p>
-            <a:r>
-              <a:rPr lang="ko-KR" altLang="en-US" dirty="0" smtClean="0"/>
-              <a:t>좌표의 표현 방식</a:t>
-            </a:r>
-            <a:endParaRPr lang="en-US" altLang="ko-KR" dirty="0" smtClean="0"/>
-          </a:p>
-          <a:p>
-            <a:pPr lvl="1"/>
-            <a:r>
-              <a:rPr lang="ko-KR" altLang="en-US" dirty="0" smtClean="0"/>
-              <a:t>오른손 법칙을 따른다</a:t>
-            </a:r>
-            <a:r>
-              <a:rPr lang="en-US" altLang="ko-KR" dirty="0" smtClean="0"/>
-              <a:t>. </a:t>
-            </a:r>
-          </a:p>
-          <a:p>
-            <a:pPr lvl="1"/>
-            <a:r>
-              <a:rPr lang="ko-KR" altLang="en-US" dirty="0" err="1" smtClean="0"/>
-              <a:t>반시계</a:t>
-            </a:r>
-            <a:r>
-              <a:rPr lang="ko-KR" altLang="en-US" dirty="0" smtClean="0"/>
-              <a:t> 방향이 </a:t>
-            </a:r>
-            <a:r>
-              <a:rPr lang="ko-KR" altLang="en-US" dirty="0" err="1" smtClean="0"/>
-              <a:t>정방향</a:t>
-            </a:r>
-            <a:r>
-              <a:rPr lang="ko-KR" altLang="en-US" dirty="0" smtClean="0"/>
-              <a:t> </a:t>
-            </a:r>
-            <a:r>
-              <a:rPr lang="en-US" altLang="ko-KR" dirty="0" smtClean="0"/>
-              <a:t>+ </a:t>
-            </a:r>
-            <a:r>
-              <a:rPr lang="ko-KR" altLang="en-US" dirty="0" smtClean="0"/>
-              <a:t>이다</a:t>
-            </a:r>
-            <a:r>
-              <a:rPr lang="en-US" altLang="ko-KR" dirty="0" smtClean="0"/>
-              <a:t>. </a:t>
-            </a:r>
-          </a:p>
-          <a:p>
-            <a:pPr lvl="1"/>
-            <a:r>
-              <a:rPr lang="ko-KR" altLang="en-US" dirty="0" err="1" smtClean="0"/>
-              <a:t>좌표계는</a:t>
-            </a:r>
-            <a:r>
-              <a:rPr lang="ko-KR" altLang="en-US" dirty="0" smtClean="0"/>
-              <a:t>  </a:t>
-            </a:r>
-            <a:r>
-              <a:rPr lang="en-US" altLang="ko-KR" dirty="0" smtClean="0"/>
-              <a:t>x (:RED) y(:GREEN) z(:BLUE) </a:t>
-            </a:r>
-            <a:r>
-              <a:rPr lang="ko-KR" altLang="en-US" dirty="0" smtClean="0"/>
-              <a:t>로 표현하며 </a:t>
-            </a:r>
-            <a:r>
-              <a:rPr lang="en-US" altLang="ko-KR" dirty="0" smtClean="0"/>
-              <a:t>ENU( East, North, Up) </a:t>
-            </a:r>
-            <a:r>
-              <a:rPr lang="ko-KR" altLang="en-US" dirty="0" smtClean="0"/>
-              <a:t>을 기본으로 한다</a:t>
-            </a:r>
-            <a:r>
-              <a:rPr lang="en-US" altLang="ko-KR" dirty="0" smtClean="0"/>
-              <a:t>.</a:t>
-            </a:r>
-          </a:p>
-          <a:p>
-            <a:pPr lvl="1"/>
-            <a:r>
-              <a:rPr lang="ko-KR" altLang="en-US" dirty="0" err="1" smtClean="0"/>
-              <a:t>좌표계의</a:t>
-            </a:r>
-            <a:r>
-              <a:rPr lang="ko-KR" altLang="en-US" dirty="0" smtClean="0"/>
-              <a:t> 표현 방식이 다르면 접미사로 </a:t>
-            </a:r>
-            <a:r>
-              <a:rPr lang="en-US" altLang="ko-KR" dirty="0" smtClean="0"/>
-              <a:t>_optical, _</a:t>
-            </a:r>
-            <a:r>
-              <a:rPr lang="en-US" altLang="ko-KR" dirty="0" err="1" smtClean="0"/>
-              <a:t>ned</a:t>
-            </a:r>
-            <a:r>
-              <a:rPr lang="en-US" altLang="ko-KR" dirty="0" smtClean="0"/>
-              <a:t> </a:t>
-            </a:r>
-            <a:r>
-              <a:rPr lang="ko-KR" altLang="en-US" dirty="0" smtClean="0"/>
-              <a:t>를 붙여서 구분한다</a:t>
-            </a:r>
-            <a:r>
-              <a:rPr lang="en-US" altLang="ko-KR" dirty="0" smtClean="0"/>
-              <a:t>. </a:t>
-            </a:r>
-          </a:p>
-          <a:p>
-            <a:pPr lvl="1"/>
-            <a:r>
-              <a:rPr lang="ko-KR" altLang="en-US" dirty="0" smtClean="0"/>
-              <a:t>회전의 표현 방식은 </a:t>
-            </a:r>
-            <a:r>
-              <a:rPr lang="ko-KR" altLang="en-US" dirty="0" err="1" smtClean="0"/>
-              <a:t>쿼터니언</a:t>
-            </a:r>
-            <a:r>
-              <a:rPr lang="en-US" altLang="ko-KR" dirty="0" smtClean="0"/>
-              <a:t>, </a:t>
-            </a:r>
-            <a:r>
-              <a:rPr lang="ko-KR" altLang="en-US" dirty="0" smtClean="0"/>
-              <a:t>회전 매트릭스</a:t>
-            </a:r>
-            <a:r>
-              <a:rPr lang="en-US" altLang="ko-KR" dirty="0" smtClean="0"/>
-              <a:t>, </a:t>
-            </a:r>
-            <a:r>
-              <a:rPr lang="ko-KR" altLang="en-US" dirty="0" err="1" smtClean="0"/>
-              <a:t>고정축이</a:t>
-            </a:r>
-            <a:r>
-              <a:rPr lang="ko-KR" altLang="en-US" dirty="0" smtClean="0"/>
-              <a:t> 있으며 </a:t>
-            </a:r>
-            <a:r>
-              <a:rPr lang="ko-KR" altLang="en-US" dirty="0" err="1" smtClean="0"/>
-              <a:t>오일러</a:t>
-            </a:r>
-            <a:r>
-              <a:rPr lang="ko-KR" altLang="en-US" dirty="0" smtClean="0"/>
-              <a:t> 각도는 권장하지 않는다</a:t>
-            </a:r>
-            <a:r>
-              <a:rPr lang="en-US" altLang="ko-KR" dirty="0" smtClean="0"/>
-              <a:t>. </a:t>
-            </a:r>
-            <a:endParaRPr lang="ko-KR" altLang="en-US" dirty="0"/>
-          </a:p>
-        </p:txBody>
-      </p:sp>
+      <p:pic>
+        <p:nvPicPr>
+          <p:cNvPr id="4" name="그림 3"/>
+          <p:cNvPicPr>
+            <a:picLocks noChangeAspect="1"/>
+          </p:cNvPicPr>
+          <p:nvPr/>
+        </p:nvPicPr>
+        <p:blipFill>
+          <a:blip r:embed="rId2"/>
+          <a:stretch>
+            <a:fillRect/>
+          </a:stretch>
+        </p:blipFill>
+        <p:spPr>
+          <a:xfrm>
+            <a:off x="533401" y="590550"/>
+            <a:ext cx="6858000" cy="2167426"/>
+          </a:xfrm>
+          <a:prstGeom prst="rect">
+            <a:avLst/>
+          </a:prstGeom>
+        </p:spPr>
+      </p:pic>
+      <p:pic>
+        <p:nvPicPr>
+          <p:cNvPr id="5" name="그림 4"/>
+          <p:cNvPicPr>
+            <a:picLocks noChangeAspect="1"/>
+          </p:cNvPicPr>
+          <p:nvPr/>
+        </p:nvPicPr>
+        <p:blipFill>
+          <a:blip r:embed="rId3"/>
+          <a:stretch>
+            <a:fillRect/>
+          </a:stretch>
+        </p:blipFill>
+        <p:spPr>
+          <a:xfrm>
+            <a:off x="533401" y="2774487"/>
+            <a:ext cx="2895599" cy="197512"/>
+          </a:xfrm>
+          <a:prstGeom prst="rect">
+            <a:avLst/>
+          </a:prstGeom>
+        </p:spPr>
+      </p:pic>
     </p:spTree>
     <p:extLst>
       <p:ext uri="{BB962C8B-B14F-4D97-AF65-F5344CB8AC3E}">
-        <p14:creationId xmlns:p14="http://schemas.microsoft.com/office/powerpoint/2010/main" val="1851711278"/>
+        <p14:creationId xmlns:p14="http://schemas.microsoft.com/office/powerpoint/2010/main" val="3953787211"/>
       </p:ext>
     </p:extLst>
   </p:cSld>
@@ -3342,7 +3110,15 @@
           <a:p>
             <a:r>
               <a:rPr lang="ko-KR" altLang="en-US" dirty="0" smtClean="0"/>
-              <a:t>시간</a:t>
+              <a:t>표준 단위</a:t>
+            </a:r>
+            <a:r>
+              <a:rPr lang="en-US" altLang="ko-KR" dirty="0" smtClean="0"/>
+              <a:t>, </a:t>
+            </a:r>
+            <a:r>
+              <a:rPr lang="ko-KR" altLang="en-US" dirty="0" smtClean="0"/>
+              <a:t>좌표 표현</a:t>
             </a:r>
             <a:endParaRPr lang="ko-KR" altLang="en-US" dirty="0"/>
           </a:p>
@@ -3365,31 +3141,187 @@
           <a:p>
             <a:r>
               <a:rPr lang="en-US" altLang="ko-KR" dirty="0" smtClean="0"/>
-              <a:t>Stamp</a:t>
-            </a:r>
-            <a:r>
-              <a:rPr lang="ko-KR" altLang="en-US" dirty="0" smtClean="0"/>
-              <a:t>와 </a:t>
-            </a:r>
-            <a:r>
-              <a:rPr lang="en-US" altLang="ko-KR" dirty="0" smtClean="0"/>
-              <a:t>frame id</a:t>
-            </a:r>
-            <a:r>
-              <a:rPr lang="ko-KR" altLang="en-US" dirty="0"/>
+              <a:t>ROS </a:t>
+            </a:r>
+            <a:r>
+              <a:rPr lang="ko-KR" altLang="en-US" dirty="0" smtClean="0"/>
+              <a:t>에서는 단위를 사용할 때 국제단위계인  </a:t>
+            </a:r>
+            <a:r>
+              <a:rPr lang="en-US" altLang="ko-KR" dirty="0" smtClean="0"/>
+              <a:t>SI unit </a:t>
+            </a:r>
+            <a:r>
+              <a:rPr lang="ko-KR" altLang="en-US" dirty="0" smtClean="0"/>
+              <a:t>을 사용한다</a:t>
+            </a:r>
+            <a:r>
+              <a:rPr lang="en-US" altLang="ko-KR" dirty="0" smtClean="0"/>
+              <a:t>.</a:t>
+            </a:r>
+          </a:p>
+          <a:p>
+            <a:pPr lvl="1"/>
+            <a:r>
+              <a:rPr lang="ko-KR" altLang="en-US" dirty="0" smtClean="0"/>
+              <a:t>길이 </a:t>
+            </a:r>
+            <a:r>
+              <a:rPr lang="en-US" altLang="ko-KR" dirty="0" smtClean="0"/>
+              <a:t>: m</a:t>
+            </a:r>
+          </a:p>
+          <a:p>
+            <a:pPr lvl="1"/>
+            <a:r>
+              <a:rPr lang="ko-KR" altLang="en-US" dirty="0" smtClean="0"/>
+              <a:t>질량 </a:t>
+            </a:r>
+            <a:r>
+              <a:rPr lang="en-US" altLang="ko-KR" dirty="0" smtClean="0"/>
+              <a:t>: Kg</a:t>
+            </a:r>
+          </a:p>
+          <a:p>
+            <a:pPr lvl="1"/>
+            <a:r>
+              <a:rPr lang="ko-KR" altLang="en-US" dirty="0" smtClean="0"/>
+              <a:t>시간 </a:t>
+            </a:r>
+            <a:r>
+              <a:rPr lang="en-US" altLang="ko-KR" dirty="0" smtClean="0"/>
+              <a:t>: S</a:t>
+            </a:r>
+          </a:p>
+          <a:p>
+            <a:pPr lvl="1"/>
+            <a:r>
+              <a:rPr lang="ko-KR" altLang="en-US" dirty="0" smtClean="0"/>
+              <a:t>전류 </a:t>
+            </a:r>
+            <a:r>
+              <a:rPr lang="en-US" altLang="ko-KR" dirty="0" smtClean="0"/>
+              <a:t>: A</a:t>
+            </a:r>
+          </a:p>
+          <a:p>
+            <a:pPr lvl="1"/>
+            <a:r>
+              <a:rPr lang="ko-KR" altLang="en-US" dirty="0" smtClean="0"/>
+              <a:t>평면각 </a:t>
+            </a:r>
+            <a:r>
+              <a:rPr lang="en-US" altLang="ko-KR" dirty="0" smtClean="0"/>
+              <a:t>: Radian</a:t>
+            </a:r>
+          </a:p>
+          <a:p>
+            <a:pPr lvl="1"/>
+            <a:r>
+              <a:rPr lang="ko-KR" altLang="en-US" dirty="0" smtClean="0"/>
+              <a:t>주파수 </a:t>
+            </a:r>
+            <a:r>
+              <a:rPr lang="en-US" altLang="ko-KR" dirty="0" smtClean="0"/>
+              <a:t>: Hz</a:t>
+            </a:r>
+          </a:p>
+          <a:p>
+            <a:pPr lvl="1"/>
+            <a:r>
+              <a:rPr lang="ko-KR" altLang="en-US" dirty="0" smtClean="0"/>
+              <a:t>온도 </a:t>
+            </a:r>
+            <a:r>
+              <a:rPr lang="en-US" altLang="ko-KR" dirty="0" smtClean="0"/>
+              <a:t>: Celsius</a:t>
+            </a:r>
+          </a:p>
+          <a:p>
+            <a:pPr lvl="1"/>
+            <a:r>
+              <a:rPr lang="ko-KR" altLang="en-US" dirty="0" smtClean="0"/>
+              <a:t>전압 </a:t>
+            </a:r>
+            <a:r>
+              <a:rPr lang="en-US" altLang="ko-KR" dirty="0" smtClean="0"/>
+              <a:t>: V </a:t>
+            </a:r>
+          </a:p>
+          <a:p>
+            <a:r>
+              <a:rPr lang="ko-KR" altLang="en-US" dirty="0" smtClean="0"/>
+              <a:t>좌표의 표현 방식</a:t>
+            </a:r>
+            <a:endParaRPr lang="en-US" altLang="ko-KR" dirty="0" smtClean="0"/>
+          </a:p>
+          <a:p>
+            <a:pPr lvl="1"/>
+            <a:r>
+              <a:rPr lang="ko-KR" altLang="en-US" dirty="0" smtClean="0"/>
+              <a:t>오른손 법칙을 따른다</a:t>
+            </a:r>
+            <a:r>
+              <a:rPr lang="en-US" altLang="ko-KR" dirty="0" smtClean="0"/>
+              <a:t>. </a:t>
+            </a:r>
+          </a:p>
+          <a:p>
+            <a:pPr lvl="1"/>
+            <a:r>
+              <a:rPr lang="ko-KR" altLang="en-US" dirty="0" err="1" smtClean="0"/>
+              <a:t>반시계</a:t>
+            </a:r>
+            <a:r>
+              <a:rPr lang="ko-KR" altLang="en-US" dirty="0" smtClean="0"/>
+              <a:t> 방향이 </a:t>
+            </a:r>
+            <a:r>
+              <a:rPr lang="ko-KR" altLang="en-US" dirty="0" err="1" smtClean="0"/>
+              <a:t>정방향</a:t>
+            </a:r>
+            <a:r>
+              <a:rPr lang="ko-KR" altLang="en-US" dirty="0" smtClean="0"/>
               <a:t> </a:t>
             </a:r>
             <a:r>
-              <a:rPr lang="ko-KR" altLang="en-US" dirty="0" smtClean="0"/>
-              <a:t>를 </a:t>
-            </a:r>
+              <a:rPr lang="en-US" altLang="ko-KR" dirty="0" smtClean="0"/>
+              <a:t>+ </a:t>
+            </a:r>
+            <a:r>
+              <a:rPr lang="ko-KR" altLang="en-US" dirty="0" smtClean="0"/>
+              <a:t>이다</a:t>
+            </a:r>
+            <a:r>
+              <a:rPr lang="en-US" altLang="ko-KR" dirty="0" smtClean="0"/>
+              <a:t>. </a:t>
+            </a:r>
+          </a:p>
+          <a:p>
+            <a:pPr lvl="1"/>
             <a:r>
               <a:rPr lang="ko-KR" altLang="en-US" dirty="0" err="1" smtClean="0"/>
-              <a:t>포함여여</a:t>
-            </a:r>
-            <a:r>
-              <a:rPr lang="ko-KR" altLang="en-US" dirty="0" smtClean="0"/>
-              <a:t> 토픽을 발행 할 수 있다</a:t>
+              <a:t>좌표계는</a:t>
+            </a:r>
+            <a:r>
+              <a:rPr lang="ko-KR" altLang="en-US" dirty="0" smtClean="0"/>
+              <a:t>  </a:t>
+            </a:r>
+            <a:r>
+              <a:rPr lang="en-US" altLang="ko-KR" dirty="0" smtClean="0"/>
+              <a:t>x (:RED) y(:GREEN) z(:BLUE) </a:t>
+            </a:r>
+            <a:r>
+              <a:rPr lang="ko-KR" altLang="en-US" dirty="0" smtClean="0"/>
+              <a:t>로 표현하며 </a:t>
+            </a:r>
+            <a:r>
+              <a:rPr lang="en-US" altLang="ko-KR" dirty="0" smtClean="0"/>
+              <a:t>ENU( East, North, Up) </a:t>
+            </a:r>
+            <a:r>
+              <a:rPr lang="ko-KR" altLang="en-US" dirty="0" smtClean="0"/>
+              <a:t>을 기본으로 한다</a:t>
             </a:r>
             <a:r>
               <a:rPr lang="en-US" altLang="ko-KR" dirty="0" smtClean="0"/>
@@ -3397,161 +3329,110 @@
             </a:r>
           </a:p>
           <a:p>
-            <a:r>
-              <a:rPr lang="en-US" altLang="ko-KR" dirty="0" smtClean="0"/>
-              <a:t>ROS_TIME: </a:t>
-            </a:r>
-          </a:p>
-          <a:p>
             <a:pPr lvl="1"/>
             <a:r>
-              <a:rPr lang="ko-KR" altLang="en-US" dirty="0" smtClean="0"/>
-              <a:t>노드가 생성될 때 기준으로의 시간</a:t>
-            </a:r>
-            <a:endParaRPr lang="en-US" altLang="ko-KR" dirty="0" smtClean="0"/>
+              <a:rPr lang="ko-KR" altLang="en-US" dirty="0" err="1" smtClean="0"/>
+              <a:t>좌표계의</a:t>
+            </a:r>
+            <a:r>
+              <a:rPr lang="ko-KR" altLang="en-US" dirty="0" smtClean="0"/>
+              <a:t> 표현 방식이 다르면 접미사로 </a:t>
+            </a:r>
+            <a:r>
+              <a:rPr lang="en-US" altLang="ko-KR" dirty="0" smtClean="0"/>
+              <a:t>_optical, _</a:t>
+            </a:r>
+            <a:r>
+              <a:rPr lang="en-US" altLang="ko-KR" dirty="0" err="1" smtClean="0"/>
+              <a:t>ned</a:t>
+            </a:r>
+            <a:r>
+              <a:rPr lang="en-US" altLang="ko-KR" dirty="0" smtClean="0"/>
+              <a:t> </a:t>
+            </a:r>
+            <a:r>
+              <a:rPr lang="ko-KR" altLang="en-US" dirty="0" smtClean="0"/>
+              <a:t>를 붙여서 구분한다</a:t>
+            </a:r>
+            <a:r>
+              <a:rPr lang="en-US" altLang="ko-KR" dirty="0" smtClean="0"/>
+              <a:t>. </a:t>
+            </a:r>
           </a:p>
           <a:p>
             <a:pPr lvl="1"/>
             <a:r>
-              <a:rPr lang="en-US" altLang="ko-KR" dirty="0" err="1" smtClean="0"/>
-              <a:t>Use_sim_time</a:t>
-            </a:r>
-            <a:r>
-              <a:rPr lang="en-US" altLang="ko-KR" dirty="0" smtClean="0"/>
-              <a:t> </a:t>
+              <a:rPr lang="ko-KR" altLang="en-US" dirty="0" smtClean="0"/>
+              <a:t>회전의 표현 방식은 </a:t>
             </a:r>
             <a:r>
               <a:rPr lang="ko-KR" altLang="en-US" dirty="0" err="1" smtClean="0"/>
-              <a:t>파라미터로</a:t>
-            </a:r>
-            <a:r>
-              <a:rPr lang="ko-KR" altLang="en-US" dirty="0" smtClean="0"/>
-              <a:t> 사용할 수 있음</a:t>
-            </a:r>
-            <a:r>
-              <a:rPr lang="en-US" altLang="ko-KR" dirty="0" smtClean="0"/>
-              <a:t>.</a:t>
-            </a:r>
-          </a:p>
-          <a:p>
-            <a:pPr lvl="1"/>
-            <a:r>
-              <a:rPr lang="en-US" altLang="ko-KR" dirty="0" smtClean="0"/>
-              <a:t> </a:t>
-            </a:r>
-            <a:r>
-              <a:rPr lang="en-US" altLang="ko-KR" dirty="0" err="1" smtClean="0"/>
-              <a:t>use_sim_time</a:t>
-            </a:r>
-            <a:r>
-              <a:rPr lang="en-US" altLang="ko-KR" dirty="0" smtClean="0"/>
-              <a:t> </a:t>
-            </a:r>
-            <a:r>
-              <a:rPr lang="ko-KR" altLang="en-US" dirty="0" smtClean="0"/>
-              <a:t>이 </a:t>
-            </a:r>
-            <a:r>
-              <a:rPr lang="en-US" altLang="ko-KR" dirty="0" err="1" smtClean="0"/>
-              <a:t>Ture</a:t>
-            </a:r>
-            <a:r>
-              <a:rPr lang="ko-KR" altLang="en-US" dirty="0" smtClean="0"/>
-              <a:t>로 설정 된 노드는 </a:t>
-            </a:r>
-            <a:r>
-              <a:rPr lang="en-US" altLang="ko-KR" dirty="0" smtClean="0"/>
-              <a:t>/clock </a:t>
-            </a:r>
-            <a:r>
-              <a:rPr lang="ko-KR" altLang="en-US" dirty="0" smtClean="0"/>
-              <a:t>이라는 토픽을 발행 한다</a:t>
+              <a:t>쿼터니언</a:t>
+            </a:r>
+            <a:r>
+              <a:rPr lang="en-US" altLang="ko-KR" dirty="0" smtClean="0"/>
+              <a:t>, </a:t>
+            </a:r>
+            <a:r>
+              <a:rPr lang="ko-KR" altLang="en-US" dirty="0" smtClean="0"/>
+              <a:t>회전 매트릭스</a:t>
+            </a:r>
+            <a:r>
+              <a:rPr lang="en-US" altLang="ko-KR" dirty="0" smtClean="0"/>
+              <a:t>, </a:t>
+            </a:r>
+            <a:r>
+              <a:rPr lang="ko-KR" altLang="en-US" dirty="0" err="1" smtClean="0"/>
+              <a:t>고정축이</a:t>
+            </a:r>
+            <a:r>
+              <a:rPr lang="ko-KR" altLang="en-US" dirty="0" smtClean="0"/>
+              <a:t> 있으며 </a:t>
+            </a:r>
+            <a:r>
+              <a:rPr lang="ko-KR" altLang="en-US" dirty="0" err="1" smtClean="0"/>
+              <a:t>오일러</a:t>
+            </a:r>
+            <a:r>
+              <a:rPr lang="ko-KR" altLang="en-US" dirty="0" smtClean="0"/>
+              <a:t> 각도는 권장하지 않는다</a:t>
             </a:r>
             <a:r>
               <a:rPr lang="en-US" altLang="ko-KR" dirty="0" smtClean="0"/>
               <a:t>. </a:t>
             </a:r>
-          </a:p>
-          <a:p>
-            <a:r>
-              <a:rPr lang="en-US" altLang="ko-KR" dirty="0" smtClean="0"/>
-              <a:t>SYSTEM_TIME: </a:t>
-            </a:r>
-          </a:p>
-          <a:p>
-            <a:pPr lvl="1"/>
-            <a:r>
-              <a:rPr lang="ko-KR" altLang="en-US" dirty="0" smtClean="0"/>
-              <a:t>각 시스템 마다 동기화가 되지 않을 수도 있음</a:t>
-            </a:r>
-            <a:endParaRPr lang="en-US" altLang="ko-KR" dirty="0" smtClean="0"/>
-          </a:p>
-          <a:p>
-            <a:pPr lvl="1"/>
-            <a:r>
-              <a:rPr lang="ko-KR" altLang="en-US" dirty="0" smtClean="0"/>
-              <a:t>특정 서버 시간으로 동기화 하기</a:t>
-            </a:r>
-            <a:r>
-              <a:rPr lang="en-US" altLang="ko-KR" dirty="0" smtClean="0"/>
-              <a:t> </a:t>
-            </a:r>
-            <a:r>
-              <a:rPr lang="en-US" altLang="ko-KR" dirty="0" err="1" smtClean="0"/>
-              <a:t>sudo</a:t>
-            </a:r>
-            <a:r>
-              <a:rPr lang="en-US" altLang="ko-KR" dirty="0" smtClean="0"/>
-              <a:t> </a:t>
-            </a:r>
-            <a:r>
-              <a:rPr lang="en-US" altLang="ko-KR" dirty="0" err="1" smtClean="0"/>
-              <a:t>ntpdate</a:t>
-            </a:r>
-            <a:r>
-              <a:rPr lang="en-US" altLang="ko-KR" dirty="0" smtClean="0"/>
-              <a:t> ntp.Ubuntu.com </a:t>
-            </a:r>
-          </a:p>
-          <a:p>
-            <a:r>
-              <a:rPr lang="en-US" altLang="ko-KR" dirty="0" smtClean="0"/>
-              <a:t>STEADY_TIME: </a:t>
-            </a:r>
-          </a:p>
-          <a:p>
-            <a:pPr lvl="1"/>
-            <a:r>
-              <a:rPr lang="ko-KR" altLang="en-US" dirty="0" smtClean="0"/>
-              <a:t>하드웨어 타임아웃을 사용한 시간이다</a:t>
-            </a:r>
-            <a:r>
-              <a:rPr lang="en-US" altLang="ko-KR" dirty="0" smtClean="0"/>
-              <a:t>. </a:t>
-            </a:r>
-            <a:r>
-              <a:rPr lang="ko-KR" altLang="en-US" dirty="0" smtClean="0"/>
-              <a:t>무조건 </a:t>
-            </a:r>
-            <a:r>
-              <a:rPr lang="ko-KR" altLang="en-US" dirty="0" err="1" smtClean="0"/>
-              <a:t>단조증가</a:t>
-            </a:r>
-            <a:r>
-              <a:rPr lang="ko-KR" altLang="en-US" dirty="0" smtClean="0"/>
-              <a:t> 한다는 특성을 가진다</a:t>
-            </a:r>
-            <a:r>
-              <a:rPr lang="en-US" altLang="ko-KR" dirty="0" smtClean="0"/>
-              <a:t>. </a:t>
-            </a:r>
+            <a:endParaRPr lang="ko-KR" altLang="en-US" dirty="0"/>
           </a:p>
         </p:txBody>
       </p:sp>
+      <p:pic>
+        <p:nvPicPr>
+          <p:cNvPr id="4" name="그림 3"/>
+          <p:cNvPicPr>
+            <a:picLocks noChangeAspect="1"/>
+          </p:cNvPicPr>
+          <p:nvPr/>
+        </p:nvPicPr>
+        <p:blipFill>
+          <a:blip r:embed="rId2"/>
+          <a:stretch>
+            <a:fillRect/>
+          </a:stretch>
+        </p:blipFill>
+        <p:spPr>
+          <a:xfrm>
+            <a:off x="3263621" y="2724150"/>
+            <a:ext cx="5423179" cy="622332"/>
+          </a:xfrm>
+          <a:prstGeom prst="rect">
+            <a:avLst/>
+          </a:prstGeom>
+        </p:spPr>
+      </p:pic>
     </p:spTree>
     <p:extLst>
       <p:ext uri="{BB962C8B-B14F-4D97-AF65-F5344CB8AC3E}">
-        <p14:creationId xmlns:p14="http://schemas.microsoft.com/office/powerpoint/2010/main" val="4283087537"/>
+        <p14:creationId xmlns:p14="http://schemas.microsoft.com/office/powerpoint/2010/main" val="1851711278"/>
       </p:ext>
     </p:extLst>
   </p:cSld>
@@ -3594,6 +3475,283 @@
           <a:lstStyle/>
           <a:p>
             <a:r>
+              <a:rPr lang="ko-KR" altLang="en-US" dirty="0" smtClean="0"/>
+              <a:t>시간</a:t>
+            </a:r>
+            <a:endParaRPr lang="ko-KR" altLang="en-US" dirty="0"/>
+          </a:p>
+        </p:txBody>
+      </p:sp>
+      <p:sp>
+        <p:nvSpPr>
+          <p:cNvPr id="3" name="내용 개체 틀 2"/>
+          <p:cNvSpPr>
+            <a:spLocks noGrp="1"/>
+          </p:cNvSpPr>
+          <p:nvPr>
+            <p:ph idx="1"/>
+          </p:nvPr>
+        </p:nvSpPr>
+        <p:spPr/>
+        <p:txBody>
+          <a:bodyPr/>
+          <a:lstStyle/>
+          <a:p>
+            <a:r>
+              <a:rPr lang="en-US" altLang="ko-KR" dirty="0" smtClean="0"/>
+              <a:t>Stamp</a:t>
+            </a:r>
+            <a:r>
+              <a:rPr lang="ko-KR" altLang="en-US" dirty="0" smtClean="0"/>
+              <a:t>와 </a:t>
+            </a:r>
+            <a:r>
+              <a:rPr lang="en-US" altLang="ko-KR" dirty="0" smtClean="0"/>
+              <a:t>frame id</a:t>
+            </a:r>
+            <a:r>
+              <a:rPr lang="ko-KR" altLang="en-US" dirty="0"/>
+              <a:t> </a:t>
+            </a:r>
+            <a:r>
+              <a:rPr lang="ko-KR" altLang="en-US" dirty="0" smtClean="0"/>
+              <a:t>를 </a:t>
+            </a:r>
+            <a:r>
+              <a:rPr lang="ko-KR" altLang="en-US" dirty="0" err="1" smtClean="0"/>
+              <a:t>포함여여</a:t>
+            </a:r>
+            <a:r>
+              <a:rPr lang="ko-KR" altLang="en-US" dirty="0" smtClean="0"/>
+              <a:t> 토픽을 발행 할 수 있다</a:t>
+            </a:r>
+            <a:r>
+              <a:rPr lang="en-US" altLang="ko-KR" dirty="0" smtClean="0"/>
+              <a:t>. - Header</a:t>
+            </a:r>
+          </a:p>
+          <a:p>
+            <a:r>
+              <a:rPr lang="en-US" altLang="ko-KR" dirty="0" smtClean="0"/>
+              <a:t>ROS_TIME: </a:t>
+            </a:r>
+          </a:p>
+          <a:p>
+            <a:pPr lvl="1"/>
+            <a:r>
+              <a:rPr lang="ko-KR" altLang="en-US" dirty="0" smtClean="0"/>
+              <a:t>노드가 생성될 때 기준으로의 시간</a:t>
+            </a:r>
+            <a:endParaRPr lang="en-US" altLang="ko-KR" dirty="0" smtClean="0"/>
+          </a:p>
+          <a:p>
+            <a:pPr lvl="1"/>
+            <a:r>
+              <a:rPr lang="en-US" altLang="ko-KR" dirty="0" err="1" smtClean="0"/>
+              <a:t>Use_sim_time</a:t>
+            </a:r>
+            <a:r>
+              <a:rPr lang="en-US" altLang="ko-KR" dirty="0" smtClean="0"/>
+              <a:t> </a:t>
+            </a:r>
+            <a:r>
+              <a:rPr lang="ko-KR" altLang="en-US" dirty="0" err="1" smtClean="0"/>
+              <a:t>파라미터로</a:t>
+            </a:r>
+            <a:r>
+              <a:rPr lang="ko-KR" altLang="en-US" dirty="0" smtClean="0"/>
+              <a:t> 사용할 수 있음</a:t>
+            </a:r>
+            <a:r>
+              <a:rPr lang="en-US" altLang="ko-KR" dirty="0" smtClean="0"/>
+              <a:t>.</a:t>
+            </a:r>
+          </a:p>
+          <a:p>
+            <a:pPr lvl="1"/>
+            <a:r>
+              <a:rPr lang="en-US" altLang="ko-KR" dirty="0" smtClean="0"/>
+              <a:t> </a:t>
+            </a:r>
+            <a:r>
+              <a:rPr lang="en-US" altLang="ko-KR" dirty="0" err="1" smtClean="0"/>
+              <a:t>use_sim_time</a:t>
+            </a:r>
+            <a:r>
+              <a:rPr lang="en-US" altLang="ko-KR" dirty="0" smtClean="0"/>
+              <a:t> </a:t>
+            </a:r>
+            <a:r>
+              <a:rPr lang="ko-KR" altLang="en-US" dirty="0" smtClean="0"/>
+              <a:t>이 </a:t>
+            </a:r>
+            <a:r>
+              <a:rPr lang="en-US" altLang="ko-KR" dirty="0" err="1" smtClean="0"/>
+              <a:t>Ture</a:t>
+            </a:r>
+            <a:r>
+              <a:rPr lang="ko-KR" altLang="en-US" dirty="0" smtClean="0"/>
+              <a:t>로 설정 된 노드는 </a:t>
+            </a:r>
+            <a:r>
+              <a:rPr lang="en-US" altLang="ko-KR" dirty="0" smtClean="0"/>
+              <a:t>/clock </a:t>
+            </a:r>
+            <a:r>
+              <a:rPr lang="ko-KR" altLang="en-US" dirty="0" smtClean="0"/>
+              <a:t>이라는 토픽을 발행 한다</a:t>
+            </a:r>
+            <a:r>
+              <a:rPr lang="en-US" altLang="ko-KR" dirty="0" smtClean="0"/>
+              <a:t>. </a:t>
+            </a:r>
+          </a:p>
+          <a:p>
+            <a:r>
+              <a:rPr lang="en-US" altLang="ko-KR" dirty="0" smtClean="0"/>
+              <a:t>SYSTEM_TIME: </a:t>
+            </a:r>
+          </a:p>
+          <a:p>
+            <a:pPr lvl="1"/>
+            <a:r>
+              <a:rPr lang="ko-KR" altLang="en-US" dirty="0" smtClean="0"/>
+              <a:t>각 시스템 마다 동기화가 되지 않을 수도 있음</a:t>
+            </a:r>
+            <a:endParaRPr lang="en-US" altLang="ko-KR" dirty="0" smtClean="0"/>
+          </a:p>
+          <a:p>
+            <a:pPr lvl="1"/>
+            <a:r>
+              <a:rPr lang="ko-KR" altLang="en-US" dirty="0" smtClean="0"/>
+              <a:t>특정 서버 시간으로 동기화 하기</a:t>
+            </a:r>
+            <a:r>
+              <a:rPr lang="en-US" altLang="ko-KR" dirty="0" smtClean="0"/>
+              <a:t> </a:t>
+            </a:r>
+            <a:r>
+              <a:rPr lang="en-US" altLang="ko-KR" dirty="0" err="1" smtClean="0"/>
+              <a:t>sudo</a:t>
+            </a:r>
+            <a:r>
+              <a:rPr lang="en-US" altLang="ko-KR" dirty="0" smtClean="0"/>
+              <a:t> </a:t>
+            </a:r>
+            <a:r>
+              <a:rPr lang="en-US" altLang="ko-KR" dirty="0" err="1" smtClean="0"/>
+              <a:t>ntpdate</a:t>
+            </a:r>
+            <a:r>
+              <a:rPr lang="en-US" altLang="ko-KR" dirty="0" smtClean="0"/>
+              <a:t> ntp.Ubuntu.com </a:t>
+            </a:r>
+          </a:p>
+          <a:p>
+            <a:r>
+              <a:rPr lang="en-US" altLang="ko-KR" dirty="0" smtClean="0"/>
+              <a:t>STEADY_TIME: </a:t>
+            </a:r>
+          </a:p>
+          <a:p>
+            <a:pPr lvl="1"/>
+            <a:r>
+              <a:rPr lang="ko-KR" altLang="en-US" dirty="0" smtClean="0"/>
+              <a:t>하드웨어 타임아웃을 사용한 시간이다</a:t>
+            </a:r>
+            <a:r>
+              <a:rPr lang="en-US" altLang="ko-KR" dirty="0" smtClean="0"/>
+              <a:t>. </a:t>
+            </a:r>
+            <a:r>
+              <a:rPr lang="ko-KR" altLang="en-US" dirty="0" smtClean="0"/>
+              <a:t>무조건 </a:t>
+            </a:r>
+            <a:r>
+              <a:rPr lang="ko-KR" altLang="en-US" dirty="0" err="1" smtClean="0"/>
+              <a:t>단조증가</a:t>
+            </a:r>
+            <a:r>
+              <a:rPr lang="ko-KR" altLang="en-US" dirty="0" smtClean="0"/>
+              <a:t> 한다는 특성을 가진다</a:t>
+            </a:r>
+            <a:r>
+              <a:rPr lang="en-US" altLang="ko-KR" dirty="0" smtClean="0"/>
+              <a:t>. </a:t>
+            </a:r>
+          </a:p>
+        </p:txBody>
+      </p:sp>
+      <p:pic>
+        <p:nvPicPr>
+          <p:cNvPr id="5" name="그림 4"/>
+          <p:cNvPicPr>
+            <a:picLocks noChangeAspect="1"/>
+          </p:cNvPicPr>
+          <p:nvPr/>
+        </p:nvPicPr>
+        <p:blipFill>
+          <a:blip r:embed="rId2"/>
+          <a:stretch>
+            <a:fillRect/>
+          </a:stretch>
+        </p:blipFill>
+        <p:spPr>
+          <a:xfrm>
+            <a:off x="1066800" y="2876550"/>
+            <a:ext cx="4648200" cy="2229468"/>
+          </a:xfrm>
+          <a:prstGeom prst="rect">
+            <a:avLst/>
+          </a:prstGeom>
+        </p:spPr>
+      </p:pic>
+    </p:spTree>
+    <p:extLst>
+      <p:ext uri="{BB962C8B-B14F-4D97-AF65-F5344CB8AC3E}">
+        <p14:creationId xmlns:p14="http://schemas.microsoft.com/office/powerpoint/2010/main" val="4283087537"/>
+      </p:ext>
+    </p:extLst>
+  </p:cSld>
+  <p:clrMapOvr>
+    <a:masterClrMapping/>
+  </p:clrMapOvr>
+</p:sld>
+</file>
+
+<file path=ppt/slides/slide6.xml><?xml version="1.0" encoding="utf-8"?>
+<p:sld xmlns:a="http://schemas.openxmlformats.org/drawingml/2006/main" xmlns:r="http://schemas.openxmlformats.org/officeDocument/2006/relationships" xmlns:p="http://schemas.openxmlformats.org/presentationml/2006/main">
+  <p:cSld>
+    <p:spTree>
+      <p:nvGrpSpPr>
+        <p:cNvPr id="1" name=""/>
+        <p:cNvGrpSpPr/>
+        <p:nvPr/>
+      </p:nvGrpSpPr>
+      <p:grpSpPr>
+        <a:xfrm>
+          <a:off x="0" y="0"/>
+          <a:ext cx="0" cy="0"/>
+          <a:chOff x="0" y="0"/>
+          <a:chExt cx="0" cy="0"/>
+        </a:xfrm>
+      </p:grpSpPr>
+      <p:sp>
+        <p:nvSpPr>
+          <p:cNvPr id="2" name="제목 1"/>
+          <p:cNvSpPr>
+            <a:spLocks noGrp="1"/>
+          </p:cNvSpPr>
+          <p:nvPr>
+            <p:ph type="title"/>
+          </p:nvPr>
+        </p:nvSpPr>
+        <p:spPr/>
+        <p:txBody>
+          <a:bodyPr/>
+          <a:lstStyle/>
+          <a:p>
+            <a:r>
               <a:rPr lang="en-US" altLang="ko-KR" dirty="0" smtClean="0"/>
               <a:t>[</a:t>
             </a:r>
@@ -3897,7 +4055,7 @@
 </p:sld>
 </file>
 
-<file path=ppt/slides/slide6.xml><?xml version="1.0" encoding="utf-8"?>
+<file path=ppt/slides/slide7.xml><?xml version="1.0" encoding="utf-8"?>
 <p:sld xmlns:a="http://schemas.openxmlformats.org/drawingml/2006/main" xmlns:r="http://schemas.openxmlformats.org/officeDocument/2006/relationships" xmlns:p="http://schemas.openxmlformats.org/presentationml/2006/main">
   <p:cSld>
     <p:spTree>
@@ -3936,7 +4094,7 @@
           <a:graphicData uri="http://schemas.openxmlformats.org/presentationml/2006/ole">
             <mc:AlternateContent xmlns:mc="http://schemas.openxmlformats.org/markup-compatibility/2006">
               <mc:Choice xmlns:v="urn:schemas-microsoft-com:vml" Requires="v">
-                <p:oleObj spid="_x0000_s12310" name="Bitmap Image" r:id="rId3" imgW="5035680" imgH="2717640" progId="PBrush">
+                <p:oleObj spid="_x0000_s12314" name="Bitmap Image" r:id="rId3" imgW="5035680" imgH="2717640" progId="PBrush">
                   <p:embed/>
                 </p:oleObj>
               </mc:Choice>

--- a/pdf_ppt/3. ROS2/교안_ROS2 터틀봇_바인드소프트_3일차교욱.pptx
+++ b/pdf_ppt/3. ROS2/교안_ROS2 터틀봇_바인드소프트_3일차교욱.pptx
@@ -214,7 +214,7 @@
           <a:p>
             <a:fld id="{A1A813DA-1389-4022-AE07-7409835CB6E0}" type="datetimeFigureOut">
               <a:rPr lang="ko-KR" altLang="en-US" smtClean="0"/>
-              <a:t>2023-07-05</a:t>
+              <a:t>2023-07-30</a:t>
             </a:fld>
             <a:endParaRPr lang="ko-KR" altLang="en-US"/>
           </a:p>
@@ -1556,7 +1556,7 @@
           <a:p>
             <a:fld id="{1D8BD707-D9CF-40AE-B4C6-C98DA3205C09}" type="datetimeFigureOut">
               <a:rPr lang="en-US" smtClean="0"/>
-              <a:t>7/5/2023</a:t>
+              <a:t>7/30/2023</a:t>
             </a:fld>
             <a:endParaRPr lang="en-US"/>
           </a:p>
@@ -1933,7 +1933,7 @@
           <a:p>
             <a:fld id="{1D8BD707-D9CF-40AE-B4C6-C98DA3205C09}" type="datetimeFigureOut">
               <a:rPr lang="en-US"/>
-              <a:t>7/5/2023</a:t>
+              <a:t>7/30/2023</a:t>
             </a:fld>
             <a:endParaRPr lang="en-US"/>
           </a:p>
@@ -4094,7 +4094,7 @@
           <a:graphicData uri="http://schemas.openxmlformats.org/presentationml/2006/ole">
             <mc:AlternateContent xmlns:mc="http://schemas.openxmlformats.org/markup-compatibility/2006">
               <mc:Choice xmlns:v="urn:schemas-microsoft-com:vml" Requires="v">
-                <p:oleObj spid="_x0000_s12314" name="Bitmap Image" r:id="rId3" imgW="5035680" imgH="2717640" progId="PBrush">
+                <p:oleObj spid="_x0000_s12316" name="Bitmap Image" r:id="rId3" imgW="5035680" imgH="2717640" progId="PBrush">
                   <p:embed/>
                 </p:oleObj>
               </mc:Choice>
